--- a/inst/template/templateGG.pptx
+++ b/inst/template/templateGG.pptx
@@ -5,35 +5,36 @@
     <p:sldMasterId id="2147483700" r:id="rId1"/>
   </p:sldMasterIdLst>
   <p:notesMasterIdLst>
-    <p:notesMasterId r:id="rId3"/>
+    <p:notesMasterId r:id="rId4"/>
   </p:notesMasterIdLst>
   <p:handoutMasterIdLst>
-    <p:handoutMasterId r:id="rId4"/>
+    <p:handoutMasterId r:id="rId5"/>
   </p:handoutMasterIdLst>
   <p:sldIdLst>
     <p:sldId id="593" r:id="rId2"/>
+    <p:sldId id="594" r:id="rId3"/>
   </p:sldIdLst>
   <p:sldSz cx="9144000" cy="5143500" type="screen16x9"/>
   <p:notesSz cx="9236075" cy="7010400"/>
   <p:embeddedFontLst>
     <p:embeddedFont>
       <p:font typeface="Calibri" panose="020F0502020204030204" pitchFamily="34" charset="0"/>
-      <p:regular r:id="rId5"/>
-      <p:bold r:id="rId6"/>
-      <p:italic r:id="rId7"/>
-      <p:boldItalic r:id="rId8"/>
+      <p:regular r:id="rId6"/>
+      <p:bold r:id="rId7"/>
+      <p:italic r:id="rId8"/>
+      <p:boldItalic r:id="rId9"/>
     </p:embeddedFont>
     <p:embeddedFont>
       <p:font typeface="Calibri Light" panose="020F0302020204030204" pitchFamily="34" charset="0"/>
-      <p:regular r:id="rId9"/>
-      <p:italic r:id="rId10"/>
+      <p:regular r:id="rId10"/>
+      <p:italic r:id="rId11"/>
     </p:embeddedFont>
     <p:embeddedFont>
       <p:font typeface="Roboto" panose="02000000000000000000" pitchFamily="2" charset="0"/>
-      <p:regular r:id="rId11"/>
-      <p:bold r:id="rId12"/>
-      <p:italic r:id="rId13"/>
-      <p:boldItalic r:id="rId14"/>
+      <p:regular r:id="rId12"/>
+      <p:bold r:id="rId13"/>
+      <p:italic r:id="rId14"/>
+      <p:boldItalic r:id="rId15"/>
     </p:embeddedFont>
   </p:embeddedFontLst>
   <p:defaultTextStyle>
@@ -1338,7 +1339,7 @@
           <a:p>
             <a:fld id="{9D7F348C-8B76-472A-AE7B-01B5C05E2E3E}" type="datetimeFigureOut">
               <a:rPr lang="en-US" smtClean="0"/>
-              <a:t>6/19/2023</a:t>
+              <a:t>6/21/2023</a:t>
             </a:fld>
             <a:endParaRPr lang="en-US"/>
           </a:p>
@@ -2298,7 +2299,7 @@
           </a:bodyPr>
           <a:lstStyle>
             <a:lvl1pPr>
-              <a:defRPr lang="en-US" sz="2400" b="0" i="0" u="none" strike="noStrike" kern="1200" cap="none" dirty="0">
+              <a:defRPr lang="en-US" sz="2000" b="0" i="0" u="none" strike="noStrike" kern="1200" cap="none" dirty="0">
                 <a:solidFill>
                   <a:schemeClr val="accent1"/>
                 </a:solidFill>
@@ -2335,8 +2336,8 @@
         </p:nvSpPr>
         <p:spPr>
           <a:xfrm>
-            <a:off x="1115568" y="658368"/>
-            <a:ext cx="6720840" cy="4251960"/>
+            <a:off x="616246" y="705541"/>
+            <a:ext cx="7223760" cy="4251960"/>
           </a:xfrm>
         </p:spPr>
         <p:txBody>
@@ -2345,35 +2346,35 @@
           <a:p>
             <a:pPr lvl="0"/>
             <a:r>
-              <a:rPr lang="en-US"/>
+              <a:rPr lang="en-US" dirty="0"/>
               <a:t>Click to edit Master text styles</a:t>
             </a:r>
           </a:p>
           <a:p>
             <a:pPr lvl="1"/>
             <a:r>
-              <a:rPr lang="en-US"/>
+              <a:rPr lang="en-US" dirty="0"/>
               <a:t>Second level</a:t>
             </a:r>
           </a:p>
           <a:p>
             <a:pPr lvl="2"/>
             <a:r>
-              <a:rPr lang="en-US"/>
+              <a:rPr lang="en-US" dirty="0"/>
               <a:t>Third level</a:t>
             </a:r>
           </a:p>
           <a:p>
             <a:pPr lvl="3"/>
             <a:r>
-              <a:rPr lang="en-US"/>
+              <a:rPr lang="en-US" dirty="0"/>
               <a:t>Fourth level</a:t>
             </a:r>
           </a:p>
           <a:p>
             <a:pPr lvl="4"/>
             <a:r>
-              <a:rPr lang="en-US"/>
+              <a:rPr lang="en-US" dirty="0"/>
               <a:t>Fifth level</a:t>
             </a:r>
           </a:p>
@@ -2560,7 +2561,7 @@
           <a:p>
             <a:fld id="{89F78D1A-3300-4D92-A44D-ED230BF7A390}" type="datetimeFigureOut">
               <a:rPr lang="en-US" smtClean="0"/>
-              <a:t>6/19/2023</a:t>
+              <a:t>6/21/2023</a:t>
             </a:fld>
             <a:endParaRPr lang="en-US"/>
           </a:p>
@@ -3073,6 +3074,91 @@
 </p:sld>
 </file>
 
+<file path=ppt/slides/slide2.xml><?xml version="1.0" encoding="utf-8"?>
+<p:sld xmlns:a="http://schemas.openxmlformats.org/drawingml/2006/main" xmlns:r="http://schemas.openxmlformats.org/officeDocument/2006/relationships" xmlns:p="http://schemas.openxmlformats.org/presentationml/2006/main">
+  <p:cSld>
+    <p:spTree>
+      <p:nvGrpSpPr>
+        <p:cNvPr id="1" name=""/>
+        <p:cNvGrpSpPr/>
+        <p:nvPr/>
+      </p:nvGrpSpPr>
+      <p:grpSpPr>
+        <a:xfrm>
+          <a:off x="0" y="0"/>
+          <a:ext cx="0" cy="0"/>
+          <a:chOff x="0" y="0"/>
+          <a:chExt cx="0" cy="0"/>
+        </a:xfrm>
+      </p:grpSpPr>
+      <p:sp>
+        <p:nvSpPr>
+          <p:cNvPr id="2" name="Title 1">
+            <a:extLst>
+              <a:ext uri="{FF2B5EF4-FFF2-40B4-BE49-F238E27FC236}">
+                <a16:creationId xmlns:a16="http://schemas.microsoft.com/office/drawing/2014/main" id="{CF521A57-6AF6-1AE9-1D8E-7A50B5307400}"/>
+              </a:ext>
+            </a:extLst>
+          </p:cNvPr>
+          <p:cNvSpPr>
+            <a:spLocks noGrp="1"/>
+          </p:cNvSpPr>
+          <p:nvPr>
+            <p:ph type="title"/>
+          </p:nvPr>
+        </p:nvSpPr>
+        <p:spPr/>
+        <p:txBody>
+          <a:bodyPr/>
+          <a:lstStyle/>
+          <a:p>
+            <a:endParaRPr lang="en-US"/>
+          </a:p>
+        </p:txBody>
+      </p:sp>
+      <p:sp>
+        <p:nvSpPr>
+          <p:cNvPr id="3" name="Content Placeholder 2">
+            <a:extLst>
+              <a:ext uri="{FF2B5EF4-FFF2-40B4-BE49-F238E27FC236}">
+                <a16:creationId xmlns:a16="http://schemas.microsoft.com/office/drawing/2014/main" id="{9EE9497C-194E-6820-50CB-9A098EE49D20}"/>
+              </a:ext>
+            </a:extLst>
+          </p:cNvPr>
+          <p:cNvSpPr>
+            <a:spLocks noGrp="1"/>
+          </p:cNvSpPr>
+          <p:nvPr>
+            <p:ph sz="quarter" idx="13"/>
+          </p:nvPr>
+        </p:nvSpPr>
+        <p:spPr>
+          <a:xfrm>
+            <a:off x="824627" y="828258"/>
+            <a:ext cx="7315200" cy="3977640"/>
+          </a:xfrm>
+        </p:spPr>
+        <p:txBody>
+          <a:bodyPr/>
+          <a:lstStyle/>
+          <a:p>
+            <a:endParaRPr lang="en-US" dirty="0"/>
+          </a:p>
+        </p:txBody>
+      </p:sp>
+    </p:spTree>
+    <p:extLst>
+      <p:ext uri="{BB962C8B-B14F-4D97-AF65-F5344CB8AC3E}">
+        <p14:creationId xmlns:p14="http://schemas.microsoft.com/office/powerpoint/2010/main" val="1407225450"/>
+      </p:ext>
+    </p:extLst>
+  </p:cSld>
+  <p:clrMapOvr>
+    <a:masterClrMapping/>
+  </p:clrMapOvr>
+</p:sld>
+</file>
+
 <file path=ppt/theme/theme1.xml><?xml version="1.0" encoding="utf-8"?>
 <a:theme xmlns:a="http://schemas.openxmlformats.org/drawingml/2006/main" name="Custom Design">
   <a:themeElements>

--- a/inst/template/templateGG.pptx
+++ b/inst/template/templateGG.pptx
@@ -471,64 +471,64 @@
                 <c:formatCode>""0.00""</c:formatCode>
                 <c:ptCount val="20"/>
                 <c:pt idx="0">
-                  <c:v>0.27247273921966553</c:v>
+                  <c:v>1</c:v>
                 </c:pt>
                 <c:pt idx="1">
-                  <c:v>0.16793918609619141</c:v>
+                  <c:v>1</c:v>
                 </c:pt>
                 <c:pt idx="2">
-                  <c:v>0.15773479640483856</c:v>
+                  <c:v>1</c:v>
                 </c:pt>
                 <c:pt idx="3">
-                  <c:v>0.14930823445320129</c:v>
+                  <c:v>1</c:v>
                 </c:pt>
                 <c:pt idx="4">
-                  <c:v>0.14506259560585022</c:v>
+                  <c:v>1</c:v>
                 </c:pt>
                 <c:pt idx="5">
-                  <c:v>0.13925698399543762</c:v>
+                  <c:v>1</c:v>
                 </c:pt>
                 <c:pt idx="6">
-                  <c:v>0.13908398151397705</c:v>
+                  <c:v>1</c:v>
                 </c:pt>
                 <c:pt idx="7">
-                  <c:v>0.12586767971515656</c:v>
+                  <c:v>1</c:v>
                 </c:pt>
                 <c:pt idx="8">
-                  <c:v>0.10946196317672729</c:v>
+                  <c:v>1</c:v>
                 </c:pt>
                 <c:pt idx="9">
-                  <c:v>0.10511140525341034</c:v>
+                  <c:v>1</c:v>
                 </c:pt>
                 <c:pt idx="10">
-                  <c:v>0.10317696630954742</c:v>
+                  <c:v>1</c:v>
                 </c:pt>
                 <c:pt idx="11">
-                  <c:v>9.9777743220329285E-2</c:v>
+                  <c:v>1</c:v>
                 </c:pt>
                 <c:pt idx="12">
-                  <c:v>9.7098395228385925E-2</c:v>
+                  <c:v>1</c:v>
                 </c:pt>
                 <c:pt idx="13">
-                  <c:v>9.5591507852077484E-2</c:v>
+                  <c:v>1</c:v>
                 </c:pt>
                 <c:pt idx="14">
-                  <c:v>9.430694580078125E-2</c:v>
+                  <c:v>1</c:v>
                 </c:pt>
                 <c:pt idx="15">
-                  <c:v>8.5454173386096954E-2</c:v>
+                  <c:v>1</c:v>
                 </c:pt>
                 <c:pt idx="16">
-                  <c:v>8.3686687052249908E-2</c:v>
+                  <c:v>1</c:v>
                 </c:pt>
                 <c:pt idx="17">
-                  <c:v>8.0278441309928894E-2</c:v>
+                  <c:v>1</c:v>
                 </c:pt>
                 <c:pt idx="18">
-                  <c:v>6.9667711853981018E-2</c:v>
+                  <c:v>1</c:v>
                 </c:pt>
                 <c:pt idx="19">
-                  <c:v>5.5184748023748398E-2</c:v>
+                  <c:v>1</c:v>
                 </c:pt>
               </c:numCache>
             </c:numRef>
@@ -1339,7 +1339,7 @@
           <a:p>
             <a:fld id="{9D7F348C-8B76-472A-AE7B-01B5C05E2E3E}" type="datetimeFigureOut">
               <a:rPr lang="en-US" smtClean="0"/>
-              <a:t>6/21/2023</a:t>
+              <a:t>7/28/2023</a:t>
             </a:fld>
             <a:endParaRPr lang="en-US"/>
           </a:p>
@@ -2561,7 +2561,7 @@
           <a:p>
             <a:fld id="{89F78D1A-3300-4D92-A44D-ED230BF7A390}" type="datetimeFigureOut">
               <a:rPr lang="en-US" smtClean="0"/>
-              <a:t>6/21/2023</a:t>
+              <a:t>7/28/2023</a:t>
             </a:fld>
             <a:endParaRPr lang="en-US"/>
           </a:p>
@@ -3005,7 +3005,7 @@
           <p:nvPr>
             <p:extLst>
               <p:ext uri="{D42A27DB-BD31-4B8C-83A1-F6EECF244321}">
-                <p14:modId xmlns:p14="http://schemas.microsoft.com/office/powerpoint/2010/main" val="1848990146"/>
+                <p14:modId xmlns:p14="http://schemas.microsoft.com/office/powerpoint/2010/main" val="3847252047"/>
               </p:ext>
             </p:extLst>
           </p:nvPr>
@@ -3020,52 +3020,6 @@
           </a:graphicData>
         </a:graphic>
       </p:graphicFrame>
-      <p:sp>
-        <p:nvSpPr>
-          <p:cNvPr id="10" name="Rectangle 9">
-            <a:extLst>
-              <a:ext uri="{FF2B5EF4-FFF2-40B4-BE49-F238E27FC236}">
-                <a16:creationId xmlns:a16="http://schemas.microsoft.com/office/drawing/2014/main" id="{BD04AD8E-AC9A-7756-6B78-4C32673D6758}"/>
-              </a:ext>
-            </a:extLst>
-          </p:cNvPr>
-          <p:cNvSpPr/>
-          <p:nvPr/>
-        </p:nvSpPr>
-        <p:spPr>
-          <a:xfrm>
-            <a:off x="1371600" y="1257300"/>
-            <a:ext cx="7015163" cy="3114675"/>
-          </a:xfrm>
-          <a:prstGeom prst="rect">
-            <a:avLst/>
-          </a:prstGeom>
-        </p:spPr>
-        <p:style>
-          <a:lnRef idx="2">
-            <a:schemeClr val="accent1">
-              <a:shade val="50000"/>
-            </a:schemeClr>
-          </a:lnRef>
-          <a:fillRef idx="1">
-            <a:schemeClr val="accent1"/>
-          </a:fillRef>
-          <a:effectRef idx="0">
-            <a:schemeClr val="accent1"/>
-          </a:effectRef>
-          <a:fontRef idx="minor">
-            <a:schemeClr val="lt1"/>
-          </a:fontRef>
-        </p:style>
-        <p:txBody>
-          <a:bodyPr rtlCol="0" anchor="ctr"/>
-          <a:lstStyle/>
-          <a:p>
-            <a:pPr algn="ctr"/>
-            <a:endParaRPr lang="en-US"/>
-          </a:p>
-        </p:txBody>
-      </p:sp>
     </p:spTree>
   </p:cSld>
   <p:clrMapOvr>
